--- a/Calendario2021/CISCO/Capitulo1.pptx
+++ b/Calendario2021/CISCO/Capitulo1.pptx
@@ -771,7 +771,7 @@
               </a14:hiddenFill>
             </a:ext>
             <a:ext uri="{FAA26D3D-D897-4be2-8F04-BA451C77F1D7}">
-              <ma14:placeholderFlag xmlns:ma14="http://schemas.microsoft.com/office/mac/drawingml/2011/main" xmlns:mc="http://schemas.openxmlformats.org/markup-compatibility/2006" xmlns:a14="http://schemas.microsoft.com/office/drawing/2010/main" xmlns:c="http://schemas.openxmlformats.org/drawingml/2006/chart" xmlns:dgm="http://schemas.openxmlformats.org/drawingml/2006/diagram" xmlns:cdr="http://schemas.openxmlformats.org/drawingml/2006/chartDrawing" xmlns:wne="http://schemas.microsoft.com/office/powerpoint/2006/powerpointml" xmlns:wp="http://schemas.openxmlformats.org/drawingml/2006/powerpointprocessingDrawing" xmlns:v="urn:schemas-microsoft-com:vml" xmlns:o="urn:schemas-microsoft-com:office:office" xmlns="" val="1"/>
+              <ma14:placeholderFlag xmlns="" xmlns:o="urn:schemas-microsoft-com:office:office" xmlns:v="urn:schemas-microsoft-com:vml" xmlns:wp="http://schemas.openxmlformats.org/drawingml/2006/powerpointprocessingDrawing" xmlns:wne="http://schemas.microsoft.com/office/powerpoint/2006/powerpointml" xmlns:cdr="http://schemas.openxmlformats.org/drawingml/2006/chartDrawing" xmlns:dgm="http://schemas.openxmlformats.org/drawingml/2006/diagram" xmlns:c="http://schemas.openxmlformats.org/drawingml/2006/chart" xmlns:a14="http://schemas.microsoft.com/office/drawing/2010/main" xmlns:mc="http://schemas.openxmlformats.org/markup-compatibility/2006" xmlns:ma14="http://schemas.microsoft.com/office/mac/drawingml/2011/main" val="1"/>
             </a:ext>
           </a:extLst>
         </p:spPr>
@@ -9584,7 +9584,7 @@
               </a14:hiddenLine>
             </a:ext>
             <a:ext uri="{FAA26D3D-D897-4be2-8F04-BA451C77F1D7}">
-              <ma14:placeholderFlag xmlns:ma14="http://schemas.microsoft.com/office/mac/drawingml/2011/main" xmlns:mc="http://schemas.openxmlformats.org/markup-compatibility/2006" xmlns:a14="http://schemas.microsoft.com/office/drawing/2010/main" xmlns:c="http://schemas.openxmlformats.org/drawingml/2006/chart" xmlns:dgm="http://schemas.openxmlformats.org/drawingml/2006/diagram" xmlns:cdr="http://schemas.openxmlformats.org/drawingml/2006/chartDrawing" xmlns:wne="http://schemas.microsoft.com/office/powerpoint/2006/powerpointml" xmlns:wp="http://schemas.openxmlformats.org/drawingml/2006/powerpointprocessingDrawing" xmlns:v="urn:schemas-microsoft-com:vml" xmlns:o="urn:schemas-microsoft-com:office:office" xmlns="" val="1"/>
+              <ma14:placeholderFlag xmlns="" xmlns:o="urn:schemas-microsoft-com:office:office" xmlns:v="urn:schemas-microsoft-com:vml" xmlns:wp="http://schemas.openxmlformats.org/drawingml/2006/powerpointprocessingDrawing" xmlns:wne="http://schemas.microsoft.com/office/powerpoint/2006/powerpointml" xmlns:cdr="http://schemas.openxmlformats.org/drawingml/2006/chartDrawing" xmlns:dgm="http://schemas.openxmlformats.org/drawingml/2006/diagram" xmlns:c="http://schemas.openxmlformats.org/drawingml/2006/chart" xmlns:a14="http://schemas.microsoft.com/office/drawing/2010/main" xmlns:mc="http://schemas.openxmlformats.org/markup-compatibility/2006" xmlns:ma14="http://schemas.microsoft.com/office/mac/drawingml/2011/main" val="1"/>
             </a:ext>
           </a:extLst>
         </p:spPr>
@@ -9794,7 +9794,7 @@
               </a14:hiddenLine>
             </a:ext>
             <a:ext uri="{FAA26D3D-D897-4be2-8F04-BA451C77F1D7}">
-              <ma14:placeholderFlag xmlns:ma14="http://schemas.microsoft.com/office/mac/drawingml/2011/main" xmlns:mc="http://schemas.openxmlformats.org/markup-compatibility/2006" xmlns:a14="http://schemas.microsoft.com/office/drawing/2010/main" xmlns:c="http://schemas.openxmlformats.org/drawingml/2006/chart" xmlns:dgm="http://schemas.openxmlformats.org/drawingml/2006/diagram" xmlns:cdr="http://schemas.openxmlformats.org/drawingml/2006/chartDrawing" xmlns:wne="http://schemas.microsoft.com/office/powerpoint/2006/powerpointml" xmlns:wp="http://schemas.openxmlformats.org/drawingml/2006/powerpointprocessingDrawing" xmlns:v="urn:schemas-microsoft-com:vml" xmlns:o="urn:schemas-microsoft-com:office:office" xmlns="" val="1"/>
+              <ma14:placeholderFlag xmlns="" xmlns:o="urn:schemas-microsoft-com:office:office" xmlns:v="urn:schemas-microsoft-com:vml" xmlns:wp="http://schemas.openxmlformats.org/drawingml/2006/powerpointprocessingDrawing" xmlns:wne="http://schemas.microsoft.com/office/powerpoint/2006/powerpointml" xmlns:cdr="http://schemas.openxmlformats.org/drawingml/2006/chartDrawing" xmlns:dgm="http://schemas.openxmlformats.org/drawingml/2006/diagram" xmlns:c="http://schemas.openxmlformats.org/drawingml/2006/chart" xmlns:a14="http://schemas.microsoft.com/office/drawing/2010/main" xmlns:mc="http://schemas.openxmlformats.org/markup-compatibility/2006" xmlns:ma14="http://schemas.microsoft.com/office/mac/drawingml/2011/main" val="1"/>
             </a:ext>
           </a:extLst>
         </p:spPr>
@@ -10558,7 +10558,7 @@
               </a14:hiddenLine>
             </a:ext>
             <a:ext uri="{FAA26D3D-D897-4be2-8F04-BA451C77F1D7}">
-              <ma14:placeholderFlag xmlns:ma14="http://schemas.microsoft.com/office/mac/drawingml/2011/main" xmlns:mc="http://schemas.openxmlformats.org/markup-compatibility/2006" xmlns:a14="http://schemas.microsoft.com/office/drawing/2010/main" xmlns:c="http://schemas.openxmlformats.org/drawingml/2006/chart" xmlns:dgm="http://schemas.openxmlformats.org/drawingml/2006/diagram" xmlns:cdr="http://schemas.openxmlformats.org/drawingml/2006/chartDrawing" xmlns:wne="http://schemas.microsoft.com/office/powerpoint/2006/powerpointml" xmlns:wp="http://schemas.openxmlformats.org/drawingml/2006/powerpointprocessingDrawing" xmlns:v="urn:schemas-microsoft-com:vml" xmlns:o="urn:schemas-microsoft-com:office:office" xmlns="" val="1"/>
+              <ma14:placeholderFlag xmlns="" xmlns:o="urn:schemas-microsoft-com:office:office" xmlns:v="urn:schemas-microsoft-com:vml" xmlns:wp="http://schemas.openxmlformats.org/drawingml/2006/powerpointprocessingDrawing" xmlns:wne="http://schemas.microsoft.com/office/powerpoint/2006/powerpointml" xmlns:cdr="http://schemas.openxmlformats.org/drawingml/2006/chartDrawing" xmlns:dgm="http://schemas.openxmlformats.org/drawingml/2006/diagram" xmlns:c="http://schemas.openxmlformats.org/drawingml/2006/chart" xmlns:a14="http://schemas.microsoft.com/office/drawing/2010/main" xmlns:mc="http://schemas.openxmlformats.org/markup-compatibility/2006" xmlns:ma14="http://schemas.microsoft.com/office/mac/drawingml/2011/main" val="1"/>
             </a:ext>
           </a:extLst>
         </p:spPr>
@@ -10753,7 +10753,7 @@
               </a14:hiddenLine>
             </a:ext>
             <a:ext uri="{FAA26D3D-D897-4be2-8F04-BA451C77F1D7}">
-              <ma14:placeholderFlag xmlns:ma14="http://schemas.microsoft.com/office/mac/drawingml/2011/main" xmlns:mc="http://schemas.openxmlformats.org/markup-compatibility/2006" xmlns:a14="http://schemas.microsoft.com/office/drawing/2010/main" xmlns:c="http://schemas.openxmlformats.org/drawingml/2006/chart" xmlns:dgm="http://schemas.openxmlformats.org/drawingml/2006/diagram" xmlns:cdr="http://schemas.openxmlformats.org/drawingml/2006/chartDrawing" xmlns:wne="http://schemas.microsoft.com/office/powerpoint/2006/powerpointml" xmlns:wp="http://schemas.openxmlformats.org/drawingml/2006/powerpointprocessingDrawing" xmlns:v="urn:schemas-microsoft-com:vml" xmlns:o="urn:schemas-microsoft-com:office:office" xmlns="" val="1"/>
+              <ma14:placeholderFlag xmlns="" xmlns:o="urn:schemas-microsoft-com:office:office" xmlns:v="urn:schemas-microsoft-com:vml" xmlns:wp="http://schemas.openxmlformats.org/drawingml/2006/powerpointprocessingDrawing" xmlns:wne="http://schemas.microsoft.com/office/powerpoint/2006/powerpointml" xmlns:cdr="http://schemas.openxmlformats.org/drawingml/2006/chartDrawing" xmlns:dgm="http://schemas.openxmlformats.org/drawingml/2006/diagram" xmlns:c="http://schemas.openxmlformats.org/drawingml/2006/chart" xmlns:a14="http://schemas.microsoft.com/office/drawing/2010/main" xmlns:mc="http://schemas.openxmlformats.org/markup-compatibility/2006" xmlns:ma14="http://schemas.microsoft.com/office/mac/drawingml/2011/main" val="1"/>
             </a:ext>
           </a:extLst>
         </p:spPr>
@@ -11480,7 +11480,7 @@
         <p:spPr>
           <a:xfrm>
             <a:off x="203200" y="2289174"/>
-            <a:ext cx="3720214" cy="1660525"/>
+            <a:ext cx="4184242" cy="1660525"/>
           </a:xfrm>
         </p:spPr>
         <p:txBody>
@@ -11490,7 +11490,14 @@
             <a:pPr eaLnBrk="1" hangingPunct="1"/>
             <a:r>
               <a:rPr lang="es-ES" sz="2400" dirty="0"/>
-              <a:t>1.1 Configuración inicial del router</a:t>
+              <a:t>Capítulo 1: Conceptos de </a:t>
+            </a:r>
+            <a:br>
+              <a:rPr lang="es-ES" sz="2400" dirty="0"/>
+            </a:br>
+            <a:r>
+              <a:rPr lang="es-ES" sz="2400" dirty="0"/>
+              <a:t>                   ruteo</a:t>
             </a:r>
             <a:endParaRPr lang="es-ES" sz="2400" dirty="0">
               <a:solidFill>
@@ -11781,7 +11788,7 @@
         </p:nvSpPr>
         <p:spPr>
           <a:xfrm>
-            <a:off x="213111" y="1232592"/>
+            <a:off x="201600" y="1467483"/>
             <a:ext cx="8558750" cy="5093780"/>
           </a:xfrm>
         </p:spPr>
@@ -11814,12 +11821,6 @@
               <a:rPr lang="es-ES" dirty="0"/>
               <a:t>Se puede utilizar en redes muy pequeñas con pocos hosts.</a:t>
             </a:r>
-          </a:p>
-          <a:p>
-            <a:pPr marL="0" indent="0">
-              <a:buNone/>
-            </a:pPr>
-            <a:endParaRPr lang="es-ES" sz="2000" b="1" dirty="0"/>
           </a:p>
           <a:p>
             <a:pPr marL="0" indent="0">
@@ -13239,15 +13240,7 @@
             </a:br>
             <a:r>
               <a:rPr lang="es-ES" dirty="0"/>
-              <a:t>¿Por qué elegir el </a:t>
-            </a:r>
-            <a:r>
-              <a:rPr lang="es-ES" dirty="0" err="1"/>
-              <a:t>routing</a:t>
-            </a:r>
-            <a:r>
-              <a:rPr lang="es-ES" dirty="0"/>
-              <a:t>?</a:t>
+              <a:t>¿Por qué elegir el ruteo?</a:t>
             </a:r>
           </a:p>
         </p:txBody>
@@ -13285,15 +13278,7 @@
             </a:r>
             <a:r>
               <a:rPr lang="es-ES" dirty="0"/>
-              <a:t> es responsable del </a:t>
-            </a:r>
-            <a:r>
-              <a:rPr lang="es-ES" dirty="0" err="1"/>
-              <a:t>routing</a:t>
-            </a:r>
-            <a:r>
-              <a:rPr lang="es-ES" dirty="0"/>
-              <a:t> del tráfico entre redes.</a:t>
+              <a:t> es responsable del ruteo del tráfico entre redes.</a:t>
             </a:r>
           </a:p>
         </p:txBody>
